--- a/Final_proj/UCSC.pptx
+++ b/Final_proj/UCSC.pptx
@@ -7,8 +7,8 @@
   <p:sldIdLst>
     <p:sldId id="256" r:id="rId2"/>
     <p:sldId id="257" r:id="rId3"/>
-    <p:sldId id="258" r:id="rId4"/>
-    <p:sldId id="261" r:id="rId5"/>
+    <p:sldId id="261" r:id="rId4"/>
+    <p:sldId id="258" r:id="rId5"/>
     <p:sldId id="260" r:id="rId6"/>
     <p:sldId id="259" r:id="rId7"/>
   </p:sldIdLst>
@@ -3412,7 +3412,7 @@
           <a:p>
             <a:r>
               <a:rPr lang="en-US" dirty="0" smtClean="0"/>
-              <a:t>Detailed Features</a:t>
+              <a:t>Key Features and Capability</a:t>
             </a:r>
             <a:endParaRPr lang="en-US" dirty="0"/>
           </a:p>
@@ -3426,8 +3426,8 @@
         </p:nvSpPr>
         <p:spPr>
           <a:xfrm>
-            <a:off x="685800" y="1676400"/>
-            <a:ext cx="7424084" cy="2862322"/>
+            <a:off x="685801" y="1676400"/>
+            <a:ext cx="7772400" cy="1477328"/>
           </a:xfrm>
           <a:prstGeom prst="rect">
             <a:avLst/>
@@ -3435,134 +3435,48 @@
           <a:noFill/>
         </p:spPr>
         <p:txBody>
-          <a:bodyPr wrap="none" rtlCol="0">
+          <a:bodyPr wrap="square" rtlCol="0">
             <a:spAutoFit/>
           </a:bodyPr>
           <a:lstStyle/>
           <a:p>
-            <a:pPr marL="285750" indent="-285750">
-              <a:buFont typeface="Arial" panose="020B0604020202020204" pitchFamily="34" charset="0"/>
-              <a:buChar char="•"/>
-            </a:pPr>
-            <a:r>
-              <a:rPr lang="en-US" dirty="0" smtClean="0"/>
-              <a:t>Codes will </a:t>
-            </a:r>
-            <a:r>
-              <a:rPr lang="en-US" dirty="0" smtClean="0"/>
-              <a:t>keep a loop counter in </a:t>
-            </a:r>
-            <a:r>
-              <a:rPr lang="en-US" dirty="0" smtClean="0"/>
-              <a:t>main </a:t>
-            </a:r>
-          </a:p>
-          <a:p>
-            <a:pPr marL="285750" indent="-285750">
-              <a:buFont typeface="Arial" panose="020B0604020202020204" pitchFamily="34" charset="0"/>
-              <a:buChar char="•"/>
-            </a:pPr>
-            <a:r>
-              <a:rPr lang="en-US" dirty="0" smtClean="0"/>
-              <a:t>Every 3 counts, display and LED lights will change according to loop counts</a:t>
-            </a:r>
-          </a:p>
-          <a:p>
-            <a:pPr marL="742950" lvl="1" indent="-285750">
-              <a:buFont typeface="Arial" panose="020B0604020202020204" pitchFamily="34" charset="0"/>
-              <a:buChar char="•"/>
-            </a:pPr>
-            <a:r>
-              <a:rPr lang="en-US" dirty="0" smtClean="0"/>
-              <a:t>Loop 0-3: Display shows “Hello Final Project”</a:t>
-            </a:r>
-          </a:p>
-          <a:p>
-            <a:pPr marL="742950" lvl="1" indent="-285750">
-              <a:buFont typeface="Arial" panose="020B0604020202020204" pitchFamily="34" charset="0"/>
-              <a:buChar char="•"/>
-            </a:pPr>
-            <a:r>
-              <a:rPr lang="en-US" dirty="0" smtClean="0"/>
-              <a:t>Loop 4-6: LEDs move from left to right</a:t>
-            </a:r>
-          </a:p>
-          <a:p>
-            <a:pPr marL="742950" lvl="1" indent="-285750">
-              <a:buFont typeface="Arial" panose="020B0604020202020204" pitchFamily="34" charset="0"/>
-              <a:buChar char="•"/>
-            </a:pPr>
-            <a:r>
-              <a:rPr lang="en-US" dirty="0" smtClean="0"/>
-              <a:t>Loop 6-9: LEDS will </a:t>
-            </a:r>
-            <a:r>
-              <a:rPr lang="en-US" dirty="0" smtClean="0"/>
-              <a:t>flash</a:t>
-            </a:r>
-            <a:endParaRPr lang="en-US" dirty="0" smtClean="0"/>
-          </a:p>
-          <a:p>
-            <a:pPr marL="742950" lvl="1" indent="-285750">
-              <a:buFont typeface="Arial" panose="020B0604020202020204" pitchFamily="34" charset="0"/>
-              <a:buChar char="•"/>
-            </a:pPr>
-            <a:r>
-              <a:rPr lang="en-US" dirty="0" smtClean="0"/>
-              <a:t>Loop 10-12: LEDs move from right to left</a:t>
-            </a:r>
-          </a:p>
-          <a:p>
-            <a:pPr marL="742950" lvl="1" indent="-285750">
-              <a:buFont typeface="Arial" panose="020B0604020202020204" pitchFamily="34" charset="0"/>
-              <a:buChar char="•"/>
-            </a:pPr>
-            <a:r>
-              <a:rPr lang="en-US" dirty="0" smtClean="0"/>
-              <a:t>Loop 13-15: LEDs  will skip around</a:t>
-            </a:r>
-          </a:p>
-          <a:p>
-            <a:pPr marL="742950" lvl="1" indent="-285750">
-              <a:buFont typeface="Arial" panose="020B0604020202020204" pitchFamily="34" charset="0"/>
-              <a:buChar char="•"/>
-            </a:pPr>
-            <a:r>
-              <a:rPr lang="en-US" dirty="0" smtClean="0"/>
-              <a:t>Loop 16-18: 2 LEDS will flash at the same time</a:t>
-            </a:r>
-          </a:p>
-          <a:p>
-            <a:pPr marL="742950" lvl="1" indent="-285750">
-              <a:buFont typeface="Arial" panose="020B0604020202020204" pitchFamily="34" charset="0"/>
-              <a:buChar char="•"/>
-            </a:pPr>
-            <a:r>
-              <a:rPr lang="en-US" dirty="0" smtClean="0"/>
-              <a:t>Loop 19: Display will show moving Santa Clause and a Christmas </a:t>
-            </a:r>
-            <a:r>
-              <a:rPr lang="en-US" dirty="0" smtClean="0"/>
-              <a:t>tree</a:t>
-            </a:r>
-          </a:p>
-          <a:p>
-            <a:pPr marL="742950" lvl="1" indent="-285750">
-              <a:buFont typeface="Arial" panose="020B0604020202020204" pitchFamily="34" charset="0"/>
-              <a:buChar char="•"/>
-            </a:pPr>
-            <a:r>
-              <a:rPr lang="en-US" dirty="0" smtClean="0"/>
-              <a:t>Loop counter goes back to 3</a:t>
-            </a:r>
-            <a:endParaRPr lang="en-US" dirty="0"/>
+            <a:r>
+              <a:rPr lang="en-US" dirty="0"/>
+              <a:t>1. Display words</a:t>
+            </a:r>
+          </a:p>
+          <a:p>
+            <a:r>
+              <a:rPr lang="en-US" dirty="0"/>
+              <a:t>2. Display animation with cartoon char.</a:t>
+            </a:r>
+          </a:p>
+          <a:p>
+            <a:r>
+              <a:rPr lang="en-US" dirty="0"/>
+              <a:t>3. Different patterns of LED flashing by controlling the 4 LED lights on the </a:t>
+            </a:r>
+            <a:r>
+              <a:rPr lang="en-US" dirty="0" err="1"/>
+              <a:t>mBed</a:t>
+            </a:r>
+            <a:r>
+              <a:rPr lang="en-US" dirty="0"/>
+              <a:t> board, and by programmable timer.</a:t>
+            </a:r>
+          </a:p>
+          <a:p>
+            <a:r>
+              <a:rPr lang="en-US" dirty="0"/>
+              <a:t>4. Replay of the features</a:t>
+            </a:r>
           </a:p>
         </p:txBody>
       </p:sp>
     </p:spTree>
     <p:extLst>
       <p:ext uri="{BB962C8B-B14F-4D97-AF65-F5344CB8AC3E}">
-        <p14:creationId xmlns:p14="http://schemas.microsoft.com/office/powerpoint/2010/main" val="3584208372"/>
+        <p14:creationId xmlns:p14="http://schemas.microsoft.com/office/powerpoint/2010/main" val="2698213556"/>
       </p:ext>
     </p:extLst>
   </p:cSld>
@@ -3611,7 +3525,7 @@
           <a:p>
             <a:r>
               <a:rPr lang="en-US" dirty="0" smtClean="0"/>
-              <a:t>Key Features and Capability</a:t>
+              <a:t>Detailed Features</a:t>
             </a:r>
             <a:endParaRPr lang="en-US" dirty="0"/>
           </a:p>
@@ -3625,8 +3539,8 @@
         </p:nvSpPr>
         <p:spPr>
           <a:xfrm>
-            <a:off x="685801" y="1676400"/>
-            <a:ext cx="7772400" cy="1477328"/>
+            <a:off x="685800" y="1676400"/>
+            <a:ext cx="7424084" cy="2862322"/>
           </a:xfrm>
           <a:prstGeom prst="rect">
             <a:avLst/>
@@ -3634,48 +3548,134 @@
           <a:noFill/>
         </p:spPr>
         <p:txBody>
-          <a:bodyPr wrap="square" rtlCol="0">
+          <a:bodyPr wrap="none" rtlCol="0">
             <a:spAutoFit/>
           </a:bodyPr>
           <a:lstStyle/>
           <a:p>
-            <a:r>
-              <a:rPr lang="en-US" dirty="0"/>
-              <a:t>1. Display words</a:t>
-            </a:r>
-          </a:p>
-          <a:p>
-            <a:r>
-              <a:rPr lang="en-US" dirty="0"/>
-              <a:t>2. Display animation with cartoon char.</a:t>
-            </a:r>
-          </a:p>
-          <a:p>
-            <a:r>
-              <a:rPr lang="en-US" dirty="0"/>
-              <a:t>3. Different patterns of LED flashing by controlling the 4 LED lights on the </a:t>
-            </a:r>
-            <a:r>
-              <a:rPr lang="en-US" dirty="0" err="1"/>
-              <a:t>mBed</a:t>
-            </a:r>
-            <a:r>
-              <a:rPr lang="en-US" dirty="0"/>
-              <a:t> board, and by programmable timer.</a:t>
-            </a:r>
-          </a:p>
-          <a:p>
-            <a:r>
-              <a:rPr lang="en-US" dirty="0"/>
-              <a:t>4. Replay of the features</a:t>
-            </a:r>
+            <a:pPr marL="285750" indent="-285750">
+              <a:buFont typeface="Arial" panose="020B0604020202020204" pitchFamily="34" charset="0"/>
+              <a:buChar char="•"/>
+            </a:pPr>
+            <a:r>
+              <a:rPr lang="en-US" dirty="0" smtClean="0"/>
+              <a:t>Codes will </a:t>
+            </a:r>
+            <a:r>
+              <a:rPr lang="en-US" dirty="0" smtClean="0"/>
+              <a:t>keep a loop counter in </a:t>
+            </a:r>
+            <a:r>
+              <a:rPr lang="en-US" dirty="0" smtClean="0"/>
+              <a:t>main </a:t>
+            </a:r>
+          </a:p>
+          <a:p>
+            <a:pPr marL="285750" indent="-285750">
+              <a:buFont typeface="Arial" panose="020B0604020202020204" pitchFamily="34" charset="0"/>
+              <a:buChar char="•"/>
+            </a:pPr>
+            <a:r>
+              <a:rPr lang="en-US" dirty="0" smtClean="0"/>
+              <a:t>Every 3 counts, display and LED lights will change according to loop counts</a:t>
+            </a:r>
+          </a:p>
+          <a:p>
+            <a:pPr marL="742950" lvl="1" indent="-285750">
+              <a:buFont typeface="Arial" panose="020B0604020202020204" pitchFamily="34" charset="0"/>
+              <a:buChar char="•"/>
+            </a:pPr>
+            <a:r>
+              <a:rPr lang="en-US" dirty="0" smtClean="0"/>
+              <a:t>Loop 0-3: Display shows “Hello Final Project”</a:t>
+            </a:r>
+          </a:p>
+          <a:p>
+            <a:pPr marL="742950" lvl="1" indent="-285750">
+              <a:buFont typeface="Arial" panose="020B0604020202020204" pitchFamily="34" charset="0"/>
+              <a:buChar char="•"/>
+            </a:pPr>
+            <a:r>
+              <a:rPr lang="en-US" dirty="0" smtClean="0"/>
+              <a:t>Loop 4-6: LEDs move from left to right</a:t>
+            </a:r>
+          </a:p>
+          <a:p>
+            <a:pPr marL="742950" lvl="1" indent="-285750">
+              <a:buFont typeface="Arial" panose="020B0604020202020204" pitchFamily="34" charset="0"/>
+              <a:buChar char="•"/>
+            </a:pPr>
+            <a:r>
+              <a:rPr lang="en-US" dirty="0" smtClean="0"/>
+              <a:t>Loop 6-9: LEDS will </a:t>
+            </a:r>
+            <a:r>
+              <a:rPr lang="en-US" dirty="0" smtClean="0"/>
+              <a:t>flash</a:t>
+            </a:r>
+            <a:endParaRPr lang="en-US" dirty="0" smtClean="0"/>
+          </a:p>
+          <a:p>
+            <a:pPr marL="742950" lvl="1" indent="-285750">
+              <a:buFont typeface="Arial" panose="020B0604020202020204" pitchFamily="34" charset="0"/>
+              <a:buChar char="•"/>
+            </a:pPr>
+            <a:r>
+              <a:rPr lang="en-US" dirty="0" smtClean="0"/>
+              <a:t>Loop 10-12: LEDs move from right to left</a:t>
+            </a:r>
+          </a:p>
+          <a:p>
+            <a:pPr marL="742950" lvl="1" indent="-285750">
+              <a:buFont typeface="Arial" panose="020B0604020202020204" pitchFamily="34" charset="0"/>
+              <a:buChar char="•"/>
+            </a:pPr>
+            <a:r>
+              <a:rPr lang="en-US" dirty="0" smtClean="0"/>
+              <a:t>Loop 13-15: LEDs  will skip around</a:t>
+            </a:r>
+          </a:p>
+          <a:p>
+            <a:pPr marL="742950" lvl="1" indent="-285750">
+              <a:buFont typeface="Arial" panose="020B0604020202020204" pitchFamily="34" charset="0"/>
+              <a:buChar char="•"/>
+            </a:pPr>
+            <a:r>
+              <a:rPr lang="en-US" dirty="0" smtClean="0"/>
+              <a:t>Loop 16-18: 2 LEDS will flash at the same time</a:t>
+            </a:r>
+          </a:p>
+          <a:p>
+            <a:pPr marL="742950" lvl="1" indent="-285750">
+              <a:buFont typeface="Arial" panose="020B0604020202020204" pitchFamily="34" charset="0"/>
+              <a:buChar char="•"/>
+            </a:pPr>
+            <a:r>
+              <a:rPr lang="en-US" dirty="0" smtClean="0"/>
+              <a:t>Loop 19: Display will show moving Santa Clause and a Christmas </a:t>
+            </a:r>
+            <a:r>
+              <a:rPr lang="en-US" dirty="0" smtClean="0"/>
+              <a:t>tree</a:t>
+            </a:r>
+          </a:p>
+          <a:p>
+            <a:pPr marL="742950" lvl="1" indent="-285750">
+              <a:buFont typeface="Arial" panose="020B0604020202020204" pitchFamily="34" charset="0"/>
+              <a:buChar char="•"/>
+            </a:pPr>
+            <a:r>
+              <a:rPr lang="en-US" dirty="0" smtClean="0"/>
+              <a:t>Loop counter goes back to 3</a:t>
+            </a:r>
+            <a:endParaRPr lang="en-US" dirty="0"/>
           </a:p>
         </p:txBody>
       </p:sp>
     </p:spTree>
     <p:extLst>
       <p:ext uri="{BB962C8B-B14F-4D97-AF65-F5344CB8AC3E}">
-        <p14:creationId xmlns:p14="http://schemas.microsoft.com/office/powerpoint/2010/main" val="2698213556"/>
+        <p14:creationId xmlns:p14="http://schemas.microsoft.com/office/powerpoint/2010/main" val="3584208372"/>
       </p:ext>
     </p:extLst>
   </p:cSld>
